--- a/RAP Presentationen/Tag5.2 - RAP_DEMO_DOKU_unmanaged_DE.pptx
+++ b/RAP Presentationen/Tag5.2 - RAP_DEMO_DOKU_unmanaged_DE.pptx
@@ -8,7 +8,7 @@
     <p:notesMasterId r:id="rId16"/>
   </p:notesMasterIdLst>
   <p:sldIdLst>
-    <p:sldId id="283" r:id="rId2"/>
+    <p:sldId id="282" r:id="rId2"/>
     <p:sldId id="284" r:id="rId3"/>
     <p:sldId id="285" r:id="rId4"/>
     <p:sldId id="297" r:id="rId5"/>
@@ -210,7 +210,7 @@
           <a:p>
             <a:fld id="{2200B2C7-6A37-48C9-92EF-E84A0C19D5D3}" type="datetimeFigureOut">
               <a:rPr lang="de-DE" smtClean="0"/>
-              <a:t>28.06.2024</a:t>
+              <a:t>05.07.2024</a:t>
             </a:fld>
             <a:endParaRPr lang="de-DE"/>
           </a:p>
@@ -521,6 +521,305 @@
           <a:bodyPr/>
           <a:lstStyle/>
           <a:p>
+            <a:pPr algn="l"/>
+            <a:r>
+              <a:rPr lang="de-DE" b="1" i="0" dirty="0">
+                <a:solidFill>
+                  <a:srgbClr val="1F1F1F"/>
+                </a:solidFill>
+                <a:effectLst/>
+                <a:highlight>
+                  <a:srgbClr val="FFFFFF"/>
+                </a:highlight>
+                <a:latin typeface="72 Brand Variable"/>
+              </a:rPr>
+              <a:t>Late </a:t>
+            </a:r>
+            <a:r>
+              <a:rPr lang="de-DE" b="1" i="0">
+                <a:solidFill>
+                  <a:srgbClr val="1F1F1F"/>
+                </a:solidFill>
+                <a:effectLst/>
+                <a:highlight>
+                  <a:srgbClr val="FFFFFF"/>
+                </a:highlight>
+                <a:latin typeface="72 Brand Variable"/>
+              </a:rPr>
+              <a:t>numbering</a:t>
+            </a:r>
+            <a:endParaRPr lang="de-DE" b="1" i="0" dirty="0">
+              <a:solidFill>
+                <a:srgbClr val="1F1F1F"/>
+              </a:solidFill>
+              <a:effectLst/>
+              <a:highlight>
+                <a:srgbClr val="FFFFFF"/>
+              </a:highlight>
+              <a:latin typeface="72 Brand Variable"/>
+            </a:endParaRPr>
+          </a:p>
+          <a:p>
+            <a:pPr algn="l"/>
+            <a:endParaRPr lang="de-DE" b="1" i="0" dirty="0">
+              <a:solidFill>
+                <a:srgbClr val="1F1F1F"/>
+              </a:solidFill>
+              <a:effectLst/>
+              <a:highlight>
+                <a:srgbClr val="FFFFFF"/>
+              </a:highlight>
+              <a:latin typeface="72 Brand Variable"/>
+            </a:endParaRPr>
+          </a:p>
+          <a:p>
+            <a:pPr algn="l"/>
+            <a:r>
+              <a:rPr lang="de-DE" b="1" i="0" dirty="0">
+                <a:solidFill>
+                  <a:srgbClr val="1F1F1F"/>
+                </a:solidFill>
+                <a:effectLst/>
+                <a:highlight>
+                  <a:srgbClr val="FFFFFF"/>
+                </a:highlight>
+                <a:latin typeface="72 Brand Variable"/>
+              </a:rPr>
+              <a:t>Nummerierung:</a:t>
+            </a:r>
+            <a:r>
+              <a:rPr lang="de-DE" b="0" i="0" dirty="0">
+                <a:solidFill>
+                  <a:srgbClr val="1F1F1F"/>
+                </a:solidFill>
+                <a:effectLst/>
+                <a:highlight>
+                  <a:srgbClr val="FFFFFF"/>
+                </a:highlight>
+                <a:latin typeface="72 Brand Variable"/>
+              </a:rPr>
+              <a:t> Bei der Nummerierung geht es darum, Werte für Primärschlüsselfelder von Entitätsinstanzen während der Laufzeit festzulegen. In RAP werden verschiedene Arten der Nummerierung unterstützt, die in zwei Hauptkategorien unterteilt werden können:</a:t>
+            </a:r>
+          </a:p>
+          <a:p>
+            <a:pPr algn="l"/>
+            <a:r>
+              <a:rPr lang="de-DE" b="1" i="0" dirty="0">
+                <a:solidFill>
+                  <a:srgbClr val="1F1F1F"/>
+                </a:solidFill>
+                <a:effectLst/>
+                <a:highlight>
+                  <a:srgbClr val="FFFFFF"/>
+                </a:highlight>
+                <a:latin typeface="72 Brand Variable"/>
+              </a:rPr>
+              <a:t>Frühe Nummerierung:</a:t>
+            </a:r>
+            <a:r>
+              <a:rPr lang="de-DE" b="0" i="0" dirty="0">
+                <a:solidFill>
+                  <a:srgbClr val="1F1F1F"/>
+                </a:solidFill>
+                <a:effectLst/>
+                <a:highlight>
+                  <a:srgbClr val="FFFFFF"/>
+                </a:highlight>
+                <a:latin typeface="72 Brand Variable"/>
+              </a:rPr>
+              <a:t> In einem Szenario mit früher Nummerierung wird der Primärschlüsselwert sofort nach der Ausführung der Änderungsanforderung für CREATE festgelegt. Die Schlüsselwerte können extern vom Verbraucher übergeben oder intern vom Framework oder einer Implementierung der Methode FOR NUMBERING festgelegt werden. Letztere wird in der vorliegenden Übung implementiert.</a:t>
+            </a:r>
+          </a:p>
+          <a:p>
+            <a:pPr algn="l"/>
+            <a:r>
+              <a:rPr lang="de-DE" b="1" i="0" dirty="0">
+                <a:solidFill>
+                  <a:srgbClr val="1F1F1F"/>
+                </a:solidFill>
+                <a:effectLst/>
+                <a:highlight>
+                  <a:srgbClr val="FFFFFF"/>
+                </a:highlight>
+                <a:latin typeface="72 Brand Variable"/>
+              </a:rPr>
+              <a:t>Späte Nummerierung:</a:t>
+            </a:r>
+            <a:r>
+              <a:rPr lang="de-DE" b="0" i="0" dirty="0">
+                <a:solidFill>
+                  <a:srgbClr val="1F1F1F"/>
+                </a:solidFill>
+                <a:effectLst/>
+                <a:highlight>
+                  <a:srgbClr val="FFFFFF"/>
+                </a:highlight>
+                <a:latin typeface="72 Brand Variable"/>
+              </a:rPr>
+              <a:t> In einem Szenario mit später Nummerierung werden die Schlüsselwerte immer intern ohne Interaktion des Verbrauchers zugewiesen, nachdem der Point </a:t>
+            </a:r>
+            <a:r>
+              <a:rPr lang="de-DE" b="0" i="0" dirty="0" err="1">
+                <a:solidFill>
+                  <a:srgbClr val="1F1F1F"/>
+                </a:solidFill>
+                <a:effectLst/>
+                <a:highlight>
+                  <a:srgbClr val="FFFFFF"/>
+                </a:highlight>
+                <a:latin typeface="72 Brand Variable"/>
+              </a:rPr>
+              <a:t>of</a:t>
+            </a:r>
+            <a:r>
+              <a:rPr lang="de-DE" b="0" i="0" dirty="0">
+                <a:solidFill>
+                  <a:srgbClr val="1F1F1F"/>
+                </a:solidFill>
+                <a:effectLst/>
+                <a:highlight>
+                  <a:srgbClr val="FFFFFF"/>
+                </a:highlight>
+                <a:latin typeface="72 Brand Variable"/>
+              </a:rPr>
+              <a:t> </a:t>
+            </a:r>
+            <a:r>
+              <a:rPr lang="de-DE" b="0" i="0" dirty="0" err="1">
+                <a:solidFill>
+                  <a:srgbClr val="1F1F1F"/>
+                </a:solidFill>
+                <a:effectLst/>
+                <a:highlight>
+                  <a:srgbClr val="FFFFFF"/>
+                </a:highlight>
+                <a:latin typeface="72 Brand Variable"/>
+              </a:rPr>
+              <a:t>no</a:t>
+            </a:r>
+            <a:r>
+              <a:rPr lang="de-DE" b="0" i="0" dirty="0">
+                <a:solidFill>
+                  <a:srgbClr val="1F1F1F"/>
+                </a:solidFill>
+                <a:effectLst/>
+                <a:highlight>
+                  <a:srgbClr val="FFFFFF"/>
+                </a:highlight>
+                <a:latin typeface="72 Brand Variable"/>
+              </a:rPr>
+              <a:t> Return in der Interaktionsphase überschritten wurde und die SAVE-Sequenz ausgelöst wurde. Weitere Informationen: </a:t>
+            </a:r>
+            <a:r>
+              <a:rPr lang="de-DE" b="0" i="0" u="sng" dirty="0">
+                <a:solidFill>
+                  <a:srgbClr val="007DB8"/>
+                </a:solidFill>
+                <a:effectLst/>
+                <a:highlight>
+                  <a:srgbClr val="FFFFFF"/>
+                </a:highlight>
+                <a:latin typeface="72 Brand Variable"/>
+                <a:hlinkClick r:id="rId3"/>
+              </a:rPr>
+              <a:t>Nummerierung</a:t>
+            </a:r>
+            <a:endParaRPr lang="de-DE" b="0" i="0" dirty="0">
+              <a:solidFill>
+                <a:srgbClr val="1F1F1F"/>
+              </a:solidFill>
+              <a:effectLst/>
+              <a:highlight>
+                <a:srgbClr val="FFFFFF"/>
+              </a:highlight>
+              <a:latin typeface="72 Brand Variable"/>
+            </a:endParaRPr>
+          </a:p>
+          <a:p>
+            <a:endParaRPr lang="de-DE" dirty="0"/>
+          </a:p>
+        </p:txBody>
+      </p:sp>
+      <p:sp>
+        <p:nvSpPr>
+          <p:cNvPr id="4" name="Foliennummernplatzhalter 3"/>
+          <p:cNvSpPr>
+            <a:spLocks noGrp="1"/>
+          </p:cNvSpPr>
+          <p:nvPr>
+            <p:ph type="sldNum" sz="quarter" idx="5"/>
+          </p:nvPr>
+        </p:nvSpPr>
+        <p:spPr/>
+        <p:txBody>
+          <a:bodyPr/>
+          <a:lstStyle/>
+          <a:p>
+            <a:fld id="{1AF18994-5EF3-46D2-9267-0EAF83CF2B89}" type="slidenum">
+              <a:rPr lang="de-DE" smtClean="0"/>
+              <a:t>3</a:t>
+            </a:fld>
+            <a:endParaRPr lang="de-DE"/>
+          </a:p>
+        </p:txBody>
+      </p:sp>
+    </p:spTree>
+    <p:extLst>
+      <p:ext uri="{BB962C8B-B14F-4D97-AF65-F5344CB8AC3E}">
+        <p14:creationId xmlns:p14="http://schemas.microsoft.com/office/powerpoint/2010/main" val="963693595"/>
+      </p:ext>
+    </p:extLst>
+  </p:cSld>
+  <p:clrMapOvr>
+    <a:masterClrMapping/>
+  </p:clrMapOvr>
+</p:notes>
+</file>
+
+<file path=ppt/notesSlides/notesSlide2.xml><?xml version="1.0" encoding="utf-8"?>
+<p:notes xmlns:a="http://schemas.openxmlformats.org/drawingml/2006/main" xmlns:r="http://schemas.openxmlformats.org/officeDocument/2006/relationships" xmlns:p="http://schemas.openxmlformats.org/presentationml/2006/main">
+  <p:cSld>
+    <p:spTree>
+      <p:nvGrpSpPr>
+        <p:cNvPr id="1" name=""/>
+        <p:cNvGrpSpPr/>
+        <p:nvPr/>
+      </p:nvGrpSpPr>
+      <p:grpSpPr>
+        <a:xfrm>
+          <a:off x="0" y="0"/>
+          <a:ext cx="0" cy="0"/>
+          <a:chOff x="0" y="0"/>
+          <a:chExt cx="0" cy="0"/>
+        </a:xfrm>
+      </p:grpSpPr>
+      <p:sp>
+        <p:nvSpPr>
+          <p:cNvPr id="2" name="Folienbildplatzhalter 1"/>
+          <p:cNvSpPr>
+            <a:spLocks noGrp="1" noRot="1" noChangeAspect="1"/>
+          </p:cNvSpPr>
+          <p:nvPr>
+            <p:ph type="sldImg"/>
+          </p:nvPr>
+        </p:nvSpPr>
+        <p:spPr/>
+      </p:sp>
+      <p:sp>
+        <p:nvSpPr>
+          <p:cNvPr id="3" name="Notizenplatzhalter 2"/>
+          <p:cNvSpPr>
+            <a:spLocks noGrp="1"/>
+          </p:cNvSpPr>
+          <p:nvPr>
+            <p:ph type="body" idx="1"/>
+          </p:nvPr>
+        </p:nvSpPr>
+        <p:spPr/>
+        <p:txBody>
+          <a:bodyPr/>
+          <a:lstStyle/>
+          <a:p>
             <a:pPr algn="l">
               <a:buFont typeface="+mj-lt"/>
               <a:buAutoNum type="arabicPeriod"/>
@@ -1411,24 +1710,234 @@
                 </a:highlight>
                 <a:latin typeface="Segoe WPC"/>
               </a:rPr>
-              <a:t>, das eine Mischform darstellt. In diesem Szenario übernimmt das Framework einige Aspekte der Anwendungslogik und Transaktionsverwaltung, während der Entwickler für bestimmte Teile der Geschäftslogik verantwortlich bleibt. </a:t>
-            </a:r>
-            <a:r>
-              <a:rPr lang="de-DE" b="0" i="0">
+              <a:t>, das eine Mischform darstellt. In diesem Szenario übernimmt das Framework einige Aspekte der Anwendungslogik und Transaktionsverwaltung, während der Entwickler für bestimmte Teile der Geschäftslogik verantwortlich bleibt. Dies ermöglicht eine feinere Kontrolle in Bereichen, in denen spezifische Anpassungen oder erweiterte Logik erforderlich sind, ohne auf die Vorteile des Frameworks für Standardoperationen zu verzichten.</a:t>
+            </a:r>
+          </a:p>
+          <a:p>
+            <a:pPr marL="742950" lvl="1" indent="-285750" algn="l">
+              <a:buFont typeface="+mj-lt"/>
+              <a:buAutoNum type="arabicPeriod"/>
+            </a:pPr>
+            <a:endParaRPr lang="de-DE" b="0" i="0" dirty="0">
+              <a:solidFill>
+                <a:srgbClr val="CCCCCC"/>
+              </a:solidFill>
+              <a:effectLst/>
+              <a:highlight>
+                <a:srgbClr val="181818"/>
+              </a:highlight>
+              <a:latin typeface="Segoe WPC"/>
+            </a:endParaRPr>
+          </a:p>
+          <a:p>
+            <a:pPr marL="742950" lvl="1" indent="-285750" algn="l">
+              <a:buFont typeface="+mj-lt"/>
+              <a:buAutoNum type="arabicPeriod"/>
+            </a:pPr>
+            <a:endParaRPr lang="de-DE" b="0" i="0" dirty="0">
+              <a:solidFill>
+                <a:srgbClr val="CCCCCC"/>
+              </a:solidFill>
+              <a:effectLst/>
+              <a:highlight>
+                <a:srgbClr val="181818"/>
+              </a:highlight>
+              <a:latin typeface="Segoe WPC"/>
+            </a:endParaRPr>
+          </a:p>
+          <a:p>
+            <a:pPr algn="l"/>
+            <a:r>
+              <a:rPr lang="en-US" b="0" i="0" dirty="0">
                 <a:solidFill>
-                  <a:srgbClr val="CCCCCC"/>
+                  <a:srgbClr val="475E75"/>
                 </a:solidFill>
                 <a:effectLst/>
                 <a:highlight>
-                  <a:srgbClr val="181818"/>
+                  <a:srgbClr val="FFFFFF"/>
                 </a:highlight>
-                <a:latin typeface="Segoe WPC"/>
+                <a:latin typeface="72" panose="020B0503030000000003" pitchFamily="34" charset="0"/>
               </a:rPr>
-              <a:t>Dies ermöglicht eine feinere Kontrolle in Bereichen, in denen spezifische Anpassungen oder erweiterte Logik erforderlich sind, ohne auf die Vorteile des Frameworks für Standardoperationen zu verzichten.</a:t>
-            </a:r>
-          </a:p>
-          <a:p>
-            <a:endParaRPr lang="de-DE"/>
+              <a:t>If you want to implement OData V4 and Create, Delete Button needs to enable then you need to</a:t>
+            </a:r>
+            <a:r>
+              <a:rPr lang="en-US" b="1" i="0" dirty="0">
+                <a:solidFill>
+                  <a:srgbClr val="475E75"/>
+                </a:solidFill>
+                <a:effectLst/>
+                <a:highlight>
+                  <a:srgbClr val="FFFFFF"/>
+                </a:highlight>
+                <a:latin typeface="72" panose="020B0503030000000003" pitchFamily="34" charset="0"/>
+              </a:rPr>
+              <a:t> implement/enable the Draft </a:t>
+            </a:r>
+            <a:r>
+              <a:rPr lang="en-US" b="0" i="0" dirty="0">
+                <a:solidFill>
+                  <a:srgbClr val="475E75"/>
+                </a:solidFill>
+                <a:effectLst/>
+                <a:highlight>
+                  <a:srgbClr val="FFFFFF"/>
+                </a:highlight>
+                <a:latin typeface="72" panose="020B0503030000000003" pitchFamily="34" charset="0"/>
+              </a:rPr>
+              <a:t>Functionality also in the </a:t>
+            </a:r>
+            <a:r>
+              <a:rPr lang="en-US" b="1" i="0" dirty="0" err="1">
+                <a:solidFill>
+                  <a:srgbClr val="475E75"/>
+                </a:solidFill>
+                <a:effectLst/>
+                <a:highlight>
+                  <a:srgbClr val="FFFFFF"/>
+                </a:highlight>
+                <a:latin typeface="72" panose="020B0503030000000003" pitchFamily="34" charset="0"/>
+              </a:rPr>
+              <a:t>Behaviour</a:t>
+            </a:r>
+            <a:r>
+              <a:rPr lang="en-US" b="1" i="0" dirty="0">
+                <a:solidFill>
+                  <a:srgbClr val="475E75"/>
+                </a:solidFill>
+                <a:effectLst/>
+                <a:highlight>
+                  <a:srgbClr val="FFFFFF"/>
+                </a:highlight>
+                <a:latin typeface="72" panose="020B0503030000000003" pitchFamily="34" charset="0"/>
+              </a:rPr>
+              <a:t> Definition</a:t>
+            </a:r>
+            <a:r>
+              <a:rPr lang="en-US" b="0" i="0" dirty="0">
+                <a:solidFill>
+                  <a:srgbClr val="475E75"/>
+                </a:solidFill>
+                <a:effectLst/>
+                <a:highlight>
+                  <a:srgbClr val="FFFFFF"/>
+                </a:highlight>
+                <a:latin typeface="72" panose="020B0503030000000003" pitchFamily="34" charset="0"/>
+              </a:rPr>
+              <a:t>.</a:t>
+            </a:r>
+          </a:p>
+          <a:p>
+            <a:pPr algn="l"/>
+            <a:r>
+              <a:rPr lang="en-US" b="0" i="0" dirty="0">
+                <a:solidFill>
+                  <a:srgbClr val="475E75"/>
+                </a:solidFill>
+                <a:effectLst/>
+                <a:highlight>
+                  <a:srgbClr val="FFFFFF"/>
+                </a:highlight>
+                <a:latin typeface="72" panose="020B0503030000000003" pitchFamily="34" charset="0"/>
+              </a:rPr>
+              <a:t>If you </a:t>
+            </a:r>
+            <a:r>
+              <a:rPr lang="en-US" b="0" i="0" dirty="0" err="1">
+                <a:solidFill>
+                  <a:srgbClr val="475E75"/>
+                </a:solidFill>
+                <a:effectLst/>
+                <a:highlight>
+                  <a:srgbClr val="FFFFFF"/>
+                </a:highlight>
+                <a:latin typeface="72" panose="020B0503030000000003" pitchFamily="34" charset="0"/>
+              </a:rPr>
+              <a:t>dont</a:t>
+            </a:r>
+            <a:r>
+              <a:rPr lang="en-US" b="0" i="0" dirty="0">
+                <a:solidFill>
+                  <a:srgbClr val="475E75"/>
+                </a:solidFill>
+                <a:effectLst/>
+                <a:highlight>
+                  <a:srgbClr val="FFFFFF"/>
+                </a:highlight>
+                <a:latin typeface="72" panose="020B0503030000000003" pitchFamily="34" charset="0"/>
+              </a:rPr>
+              <a:t> want to implement</a:t>
+            </a:r>
+            <a:r>
+              <a:rPr lang="en-US" b="1" i="0" dirty="0">
+                <a:solidFill>
+                  <a:srgbClr val="475E75"/>
+                </a:solidFill>
+                <a:effectLst/>
+                <a:highlight>
+                  <a:srgbClr val="FFFFFF"/>
+                </a:highlight>
+                <a:latin typeface="72" panose="020B0503030000000003" pitchFamily="34" charset="0"/>
+              </a:rPr>
+              <a:t> Draft Functionality in </a:t>
+            </a:r>
+            <a:r>
+              <a:rPr lang="en-US" b="1" i="0" dirty="0" err="1">
+                <a:solidFill>
+                  <a:srgbClr val="475E75"/>
+                </a:solidFill>
+                <a:effectLst/>
+                <a:highlight>
+                  <a:srgbClr val="FFFFFF"/>
+                </a:highlight>
+                <a:latin typeface="72" panose="020B0503030000000003" pitchFamily="34" charset="0"/>
+              </a:rPr>
+              <a:t>Behaviour</a:t>
+            </a:r>
+            <a:r>
+              <a:rPr lang="en-US" b="1" i="0" dirty="0">
+                <a:solidFill>
+                  <a:srgbClr val="475E75"/>
+                </a:solidFill>
+                <a:effectLst/>
+                <a:highlight>
+                  <a:srgbClr val="FFFFFF"/>
+                </a:highlight>
+                <a:latin typeface="72" panose="020B0503030000000003" pitchFamily="34" charset="0"/>
+              </a:rPr>
+              <a:t> Definition </a:t>
+            </a:r>
+            <a:r>
+              <a:rPr lang="en-US" b="0" i="0" dirty="0">
+                <a:solidFill>
+                  <a:srgbClr val="475E75"/>
+                </a:solidFill>
+                <a:effectLst/>
+                <a:highlight>
+                  <a:srgbClr val="FFFFFF"/>
+                </a:highlight>
+                <a:latin typeface="72" panose="020B0503030000000003" pitchFamily="34" charset="0"/>
+              </a:rPr>
+              <a:t>then Create a Service Binding of Type OData V2.</a:t>
+            </a:r>
+          </a:p>
+          <a:p>
+            <a:pPr marL="742950" lvl="1" indent="-285750" algn="l">
+              <a:buFont typeface="+mj-lt"/>
+              <a:buAutoNum type="arabicPeriod"/>
+            </a:pPr>
+            <a:endParaRPr lang="de-DE" b="0" i="0" dirty="0">
+              <a:solidFill>
+                <a:srgbClr val="CCCCCC"/>
+              </a:solidFill>
+              <a:effectLst/>
+              <a:highlight>
+                <a:srgbClr val="181818"/>
+              </a:highlight>
+              <a:latin typeface="Segoe WPC"/>
+            </a:endParaRPr>
+          </a:p>
+          <a:p>
+            <a:endParaRPr lang="de-DE" dirty="0"/>
           </a:p>
         </p:txBody>
       </p:sp>
@@ -1615,7 +2124,7 @@
           <a:p>
             <a:fld id="{6D5CDF9B-D398-4250-A5D8-5FB8CF89A66D}" type="datetimeFigureOut">
               <a:rPr lang="de-DE" smtClean="0"/>
-              <a:t>28.06.2024</a:t>
+              <a:t>05.07.2024</a:t>
             </a:fld>
             <a:endParaRPr lang="de-DE"/>
           </a:p>
@@ -1813,7 +2322,7 @@
           <a:p>
             <a:fld id="{6D5CDF9B-D398-4250-A5D8-5FB8CF89A66D}" type="datetimeFigureOut">
               <a:rPr lang="de-DE" smtClean="0"/>
-              <a:t>28.06.2024</a:t>
+              <a:t>05.07.2024</a:t>
             </a:fld>
             <a:endParaRPr lang="de-DE"/>
           </a:p>
@@ -2021,7 +2530,7 @@
           <a:p>
             <a:fld id="{6D5CDF9B-D398-4250-A5D8-5FB8CF89A66D}" type="datetimeFigureOut">
               <a:rPr lang="de-DE" smtClean="0"/>
-              <a:t>28.06.2024</a:t>
+              <a:t>05.07.2024</a:t>
             </a:fld>
             <a:endParaRPr lang="de-DE"/>
           </a:p>
@@ -2219,7 +2728,7 @@
           <a:p>
             <a:fld id="{6D5CDF9B-D398-4250-A5D8-5FB8CF89A66D}" type="datetimeFigureOut">
               <a:rPr lang="de-DE" smtClean="0"/>
-              <a:t>28.06.2024</a:t>
+              <a:t>05.07.2024</a:t>
             </a:fld>
             <a:endParaRPr lang="de-DE"/>
           </a:p>
@@ -2494,7 +3003,7 @@
           <a:p>
             <a:fld id="{6D5CDF9B-D398-4250-A5D8-5FB8CF89A66D}" type="datetimeFigureOut">
               <a:rPr lang="de-DE" smtClean="0"/>
-              <a:t>28.06.2024</a:t>
+              <a:t>05.07.2024</a:t>
             </a:fld>
             <a:endParaRPr lang="de-DE"/>
           </a:p>
@@ -2759,7 +3268,7 @@
           <a:p>
             <a:fld id="{6D5CDF9B-D398-4250-A5D8-5FB8CF89A66D}" type="datetimeFigureOut">
               <a:rPr lang="de-DE" smtClean="0"/>
-              <a:t>28.06.2024</a:t>
+              <a:t>05.07.2024</a:t>
             </a:fld>
             <a:endParaRPr lang="de-DE"/>
           </a:p>
@@ -3171,7 +3680,7 @@
           <a:p>
             <a:fld id="{6D5CDF9B-D398-4250-A5D8-5FB8CF89A66D}" type="datetimeFigureOut">
               <a:rPr lang="de-DE" smtClean="0"/>
-              <a:t>28.06.2024</a:t>
+              <a:t>05.07.2024</a:t>
             </a:fld>
             <a:endParaRPr lang="de-DE"/>
           </a:p>
@@ -3312,7 +3821,7 @@
           <a:p>
             <a:fld id="{6D5CDF9B-D398-4250-A5D8-5FB8CF89A66D}" type="datetimeFigureOut">
               <a:rPr lang="de-DE" smtClean="0"/>
-              <a:t>28.06.2024</a:t>
+              <a:t>05.07.2024</a:t>
             </a:fld>
             <a:endParaRPr lang="de-DE"/>
           </a:p>
@@ -3425,7 +3934,7 @@
           <a:p>
             <a:fld id="{6D5CDF9B-D398-4250-A5D8-5FB8CF89A66D}" type="datetimeFigureOut">
               <a:rPr lang="de-DE" smtClean="0"/>
-              <a:t>28.06.2024</a:t>
+              <a:t>05.07.2024</a:t>
             </a:fld>
             <a:endParaRPr lang="de-DE"/>
           </a:p>
@@ -3736,7 +4245,7 @@
           <a:p>
             <a:fld id="{6D5CDF9B-D398-4250-A5D8-5FB8CF89A66D}" type="datetimeFigureOut">
               <a:rPr lang="de-DE" smtClean="0"/>
-              <a:t>28.06.2024</a:t>
+              <a:t>05.07.2024</a:t>
             </a:fld>
             <a:endParaRPr lang="de-DE"/>
           </a:p>
@@ -4024,7 +4533,7 @@
           <a:p>
             <a:fld id="{6D5CDF9B-D398-4250-A5D8-5FB8CF89A66D}" type="datetimeFigureOut">
               <a:rPr lang="de-DE" smtClean="0"/>
-              <a:t>28.06.2024</a:t>
+              <a:t>05.07.2024</a:t>
             </a:fld>
             <a:endParaRPr lang="de-DE"/>
           </a:p>
@@ -4265,7 +4774,7 @@
           <a:p>
             <a:fld id="{6D5CDF9B-D398-4250-A5D8-5FB8CF89A66D}" type="datetimeFigureOut">
               <a:rPr lang="de-DE" smtClean="0"/>
-              <a:t>28.06.2024</a:t>
+              <a:t>05.07.2024</a:t>
             </a:fld>
             <a:endParaRPr lang="de-DE"/>
           </a:p>
@@ -4668,6 +5177,14 @@
 <file path=ppt/slides/slide1.xml><?xml version="1.0" encoding="utf-8"?>
 <p:sld xmlns:a="http://schemas.openxmlformats.org/drawingml/2006/main" xmlns:r="http://schemas.openxmlformats.org/officeDocument/2006/relationships" xmlns:p="http://schemas.openxmlformats.org/presentationml/2006/main">
   <p:cSld>
+    <p:bg>
+      <p:bgPr>
+        <a:solidFill>
+          <a:schemeClr val="bg1"/>
+        </a:solidFill>
+        <a:effectLst/>
+      </p:bgPr>
+    </p:bg>
     <p:spTree>
       <p:nvGrpSpPr>
         <p:cNvPr id="1" name=""/>
@@ -4682,12 +5199,101 @@
           <a:chExt cx="0" cy="0"/>
         </a:xfrm>
       </p:grpSpPr>
+      <p:sp useBgFill="1">
+        <p:nvSpPr>
+          <p:cNvPr id="8" name="Rectangle 7">
+            <a:extLst>
+              <a:ext uri="{FF2B5EF4-FFF2-40B4-BE49-F238E27FC236}">
+                <a16:creationId xmlns:a16="http://schemas.microsoft.com/office/drawing/2014/main" id="{943CAA20-3569-4189-9E48-239A229A86CA}"/>
+              </a:ext>
+              <a:ext uri="{C183D7F6-B498-43B3-948B-1728B52AA6E4}">
+                <adec:decorative xmlns:adec="http://schemas.microsoft.com/office/drawing/2017/decorative" val="1"/>
+              </a:ext>
+            </a:extLst>
+          </p:cNvPr>
+          <p:cNvSpPr>
+            <a:spLocks noGrp="1" noRot="1" noChangeAspect="1" noMove="1" noResize="1" noEditPoints="1" noAdjustHandles="1" noChangeArrowheads="1" noChangeShapeType="1" noTextEdit="1"/>
+          </p:cNvSpPr>
+          <p:nvPr>
+            <p:extLst>
+              <p:ext uri="{386F3935-93C4-4BCD-93E2-E3B085C9AB24}">
+                <p16:designElem xmlns:p16="http://schemas.microsoft.com/office/powerpoint/2015/main" val="1"/>
+              </p:ext>
+            </p:extLst>
+          </p:nvPr>
+        </p:nvSpPr>
+        <p:spPr>
+          <a:xfrm>
+            <a:off x="0" y="0"/>
+            <a:ext cx="12188952" cy="6858000"/>
+          </a:xfrm>
+          <a:prstGeom prst="rect">
+            <a:avLst/>
+          </a:prstGeom>
+          <a:ln>
+            <a:noFill/>
+          </a:ln>
+        </p:spPr>
+        <p:style>
+          <a:lnRef idx="2">
+            <a:schemeClr val="accent1">
+              <a:shade val="50000"/>
+            </a:schemeClr>
+          </a:lnRef>
+          <a:fillRef idx="1">
+            <a:schemeClr val="accent1"/>
+          </a:fillRef>
+          <a:effectRef idx="0">
+            <a:schemeClr val="accent1"/>
+          </a:effectRef>
+          <a:fontRef idx="minor">
+            <a:schemeClr val="lt1"/>
+          </a:fontRef>
+        </p:style>
+        <p:txBody>
+          <a:bodyPr rtlCol="0" anchor="ctr"/>
+          <a:lstStyle/>
+          <a:p>
+            <a:pPr marL="0" marR="0" lvl="0" indent="0" algn="ctr" defTabSz="914400" rtl="0" eaLnBrk="1" fontAlgn="auto" latinLnBrk="0" hangingPunct="1">
+              <a:lnSpc>
+                <a:spcPct val="100000"/>
+              </a:lnSpc>
+              <a:spcBef>
+                <a:spcPts val="0"/>
+              </a:spcBef>
+              <a:spcAft>
+                <a:spcPts val="0"/>
+              </a:spcAft>
+              <a:buClrTx/>
+              <a:buSzTx/>
+              <a:buFontTx/>
+              <a:buNone/>
+              <a:tabLst/>
+              <a:defRPr/>
+            </a:pPr>
+            <a:endParaRPr kumimoji="0" lang="en-US" sz="1800" b="0" i="0" u="none" strike="noStrike" kern="1200" cap="none" spc="0" normalizeH="0" baseline="0" noProof="0">
+              <a:ln>
+                <a:noFill/>
+              </a:ln>
+              <a:solidFill>
+                <a:prstClr val="white"/>
+              </a:solidFill>
+              <a:effectLst/>
+              <a:uLnTx/>
+              <a:uFillTx/>
+              <a:latin typeface="Aptos" panose="02110004020202020204"/>
+              <a:ea typeface="+mn-ea"/>
+              <a:cs typeface="+mn-cs"/>
+            </a:endParaRPr>
+          </a:p>
+        </p:txBody>
+      </p:sp>
       <p:sp>
         <p:nvSpPr>
           <p:cNvPr id="2" name="Titel 1">
             <a:extLst>
               <a:ext uri="{FF2B5EF4-FFF2-40B4-BE49-F238E27FC236}">
-                <a16:creationId xmlns:a16="http://schemas.microsoft.com/office/drawing/2014/main" id="{8F877C62-34EB-C2AF-C2D0-3940580DE4BA}"/>
+                <a16:creationId xmlns:a16="http://schemas.microsoft.com/office/drawing/2014/main" id="{3EA24867-36F9-0F61-D7FA-5D7E344549F1}"/>
               </a:ext>
             </a:extLst>
           </p:cNvPr>
@@ -4698,14 +5304,26 @@
             <p:ph type="ctrTitle"/>
           </p:nvPr>
         </p:nvSpPr>
-        <p:spPr/>
+        <p:spPr>
+          <a:xfrm>
+            <a:off x="838200" y="451381"/>
+            <a:ext cx="10512552" cy="4066540"/>
+          </a:xfrm>
+        </p:spPr>
         <p:txBody>
-          <a:bodyPr/>
+          <a:bodyPr anchor="b">
+            <a:normAutofit/>
+          </a:bodyPr>
           <a:lstStyle/>
           <a:p>
-            <a:r>
-              <a:rPr lang="de-DE"/>
-              <a:t>Unmanaged Scenario</a:t>
+            <a:pPr algn="l"/>
+            <a:r>
+              <a:rPr lang="de-DE" sz="6600" dirty="0" err="1"/>
+              <a:t>Unmanaged</a:t>
+            </a:r>
+            <a:r>
+              <a:rPr lang="de-DE" sz="6600" dirty="0"/>
+              <a:t> Scenario</a:t>
             </a:r>
           </a:p>
         </p:txBody>
@@ -4715,7 +5333,7 @@
           <p:cNvPr id="3" name="Untertitel 2">
             <a:extLst>
               <a:ext uri="{FF2B5EF4-FFF2-40B4-BE49-F238E27FC236}">
-                <a16:creationId xmlns:a16="http://schemas.microsoft.com/office/drawing/2014/main" id="{A1B8FC7B-2F69-35B3-CEFB-13EE809A0CF7}"/>
+                <a16:creationId xmlns:a16="http://schemas.microsoft.com/office/drawing/2014/main" id="{B2AC74AD-386B-54E2-7A7C-96B10A166B3F}"/>
               </a:ext>
             </a:extLst>
           </p:cNvPr>
@@ -4726,25 +5344,579 @@
             <p:ph type="subTitle" idx="1"/>
           </p:nvPr>
         </p:nvSpPr>
-        <p:spPr/>
+        <p:spPr>
+          <a:xfrm>
+            <a:off x="838199" y="4983276"/>
+            <a:ext cx="10512552" cy="1126680"/>
+          </a:xfrm>
+        </p:spPr>
         <p:txBody>
-          <a:bodyPr/>
+          <a:bodyPr>
+            <a:normAutofit/>
+          </a:bodyPr>
           <a:lstStyle/>
           <a:p>
-            <a:endParaRPr lang="de-DE"/>
+            <a:pPr algn="l"/>
+            <a:endParaRPr lang="de-DE" dirty="0"/>
+          </a:p>
+        </p:txBody>
+      </p:sp>
+      <p:sp>
+        <p:nvSpPr>
+          <p:cNvPr id="10" name="sketch line">
+            <a:extLst>
+              <a:ext uri="{FF2B5EF4-FFF2-40B4-BE49-F238E27FC236}">
+                <a16:creationId xmlns:a16="http://schemas.microsoft.com/office/drawing/2014/main" id="{DA542B6D-E775-4832-91DC-2D20F857813A}"/>
+              </a:ext>
+              <a:ext uri="{C183D7F6-B498-43B3-948B-1728B52AA6E4}">
+                <adec:decorative xmlns:adec="http://schemas.microsoft.com/office/drawing/2017/decorative" val="1"/>
+              </a:ext>
+            </a:extLst>
+          </p:cNvPr>
+          <p:cNvSpPr>
+            <a:spLocks noGrp="1" noRot="1" noChangeAspect="1" noMove="1" noResize="1" noEditPoints="1" noAdjustHandles="1" noChangeArrowheads="1" noChangeShapeType="1" noTextEdit="1"/>
+          </p:cNvSpPr>
+          <p:nvPr>
+            <p:extLst>
+              <p:ext uri="{386F3935-93C4-4BCD-93E2-E3B085C9AB24}">
+                <p16:designElem xmlns:p16="http://schemas.microsoft.com/office/powerpoint/2015/main" val="1"/>
+              </p:ext>
+            </p:extLst>
+          </p:nvPr>
+        </p:nvSpPr>
+        <p:spPr>
+          <a:xfrm>
+            <a:off x="838200" y="4718595"/>
+            <a:ext cx="5410200" cy="18288"/>
+          </a:xfrm>
+          <a:custGeom>
+            <a:avLst/>
+            <a:gdLst>
+              <a:gd name="connsiteX0" fmla="*/ 0 w 5410200"/>
+              <a:gd name="connsiteY0" fmla="*/ 0 h 18288"/>
+              <a:gd name="connsiteX1" fmla="*/ 568071 w 5410200"/>
+              <a:gd name="connsiteY1" fmla="*/ 0 h 18288"/>
+              <a:gd name="connsiteX2" fmla="*/ 1298448 w 5410200"/>
+              <a:gd name="connsiteY2" fmla="*/ 0 h 18288"/>
+              <a:gd name="connsiteX3" fmla="*/ 1920621 w 5410200"/>
+              <a:gd name="connsiteY3" fmla="*/ 0 h 18288"/>
+              <a:gd name="connsiteX4" fmla="*/ 2488692 w 5410200"/>
+              <a:gd name="connsiteY4" fmla="*/ 0 h 18288"/>
+              <a:gd name="connsiteX5" fmla="*/ 3219069 w 5410200"/>
+              <a:gd name="connsiteY5" fmla="*/ 0 h 18288"/>
+              <a:gd name="connsiteX6" fmla="*/ 3895344 w 5410200"/>
+              <a:gd name="connsiteY6" fmla="*/ 0 h 18288"/>
+              <a:gd name="connsiteX7" fmla="*/ 4571619 w 5410200"/>
+              <a:gd name="connsiteY7" fmla="*/ 0 h 18288"/>
+              <a:gd name="connsiteX8" fmla="*/ 5410200 w 5410200"/>
+              <a:gd name="connsiteY8" fmla="*/ 0 h 18288"/>
+              <a:gd name="connsiteX9" fmla="*/ 5410200 w 5410200"/>
+              <a:gd name="connsiteY9" fmla="*/ 18288 h 18288"/>
+              <a:gd name="connsiteX10" fmla="*/ 4842129 w 5410200"/>
+              <a:gd name="connsiteY10" fmla="*/ 18288 h 18288"/>
+              <a:gd name="connsiteX11" fmla="*/ 4328160 w 5410200"/>
+              <a:gd name="connsiteY11" fmla="*/ 18288 h 18288"/>
+              <a:gd name="connsiteX12" fmla="*/ 3597783 w 5410200"/>
+              <a:gd name="connsiteY12" fmla="*/ 18288 h 18288"/>
+              <a:gd name="connsiteX13" fmla="*/ 3029712 w 5410200"/>
+              <a:gd name="connsiteY13" fmla="*/ 18288 h 18288"/>
+              <a:gd name="connsiteX14" fmla="*/ 2299335 w 5410200"/>
+              <a:gd name="connsiteY14" fmla="*/ 18288 h 18288"/>
+              <a:gd name="connsiteX15" fmla="*/ 1514856 w 5410200"/>
+              <a:gd name="connsiteY15" fmla="*/ 18288 h 18288"/>
+              <a:gd name="connsiteX16" fmla="*/ 892683 w 5410200"/>
+              <a:gd name="connsiteY16" fmla="*/ 18288 h 18288"/>
+              <a:gd name="connsiteX17" fmla="*/ 0 w 5410200"/>
+              <a:gd name="connsiteY17" fmla="*/ 18288 h 18288"/>
+              <a:gd name="connsiteX18" fmla="*/ 0 w 5410200"/>
+              <a:gd name="connsiteY18" fmla="*/ 0 h 18288"/>
+            </a:gdLst>
+            <a:ahLst/>
+            <a:cxnLst>
+              <a:cxn ang="0">
+                <a:pos x="connsiteX0" y="connsiteY0"/>
+              </a:cxn>
+              <a:cxn ang="0">
+                <a:pos x="connsiteX1" y="connsiteY1"/>
+              </a:cxn>
+              <a:cxn ang="0">
+                <a:pos x="connsiteX2" y="connsiteY2"/>
+              </a:cxn>
+              <a:cxn ang="0">
+                <a:pos x="connsiteX3" y="connsiteY3"/>
+              </a:cxn>
+              <a:cxn ang="0">
+                <a:pos x="connsiteX4" y="connsiteY4"/>
+              </a:cxn>
+              <a:cxn ang="0">
+                <a:pos x="connsiteX5" y="connsiteY5"/>
+              </a:cxn>
+              <a:cxn ang="0">
+                <a:pos x="connsiteX6" y="connsiteY6"/>
+              </a:cxn>
+              <a:cxn ang="0">
+                <a:pos x="connsiteX7" y="connsiteY7"/>
+              </a:cxn>
+              <a:cxn ang="0">
+                <a:pos x="connsiteX8" y="connsiteY8"/>
+              </a:cxn>
+              <a:cxn ang="0">
+                <a:pos x="connsiteX9" y="connsiteY9"/>
+              </a:cxn>
+              <a:cxn ang="0">
+                <a:pos x="connsiteX10" y="connsiteY10"/>
+              </a:cxn>
+              <a:cxn ang="0">
+                <a:pos x="connsiteX11" y="connsiteY11"/>
+              </a:cxn>
+              <a:cxn ang="0">
+                <a:pos x="connsiteX12" y="connsiteY12"/>
+              </a:cxn>
+              <a:cxn ang="0">
+                <a:pos x="connsiteX13" y="connsiteY13"/>
+              </a:cxn>
+              <a:cxn ang="0">
+                <a:pos x="connsiteX14" y="connsiteY14"/>
+              </a:cxn>
+              <a:cxn ang="0">
+                <a:pos x="connsiteX15" y="connsiteY15"/>
+              </a:cxn>
+              <a:cxn ang="0">
+                <a:pos x="connsiteX16" y="connsiteY16"/>
+              </a:cxn>
+              <a:cxn ang="0">
+                <a:pos x="connsiteX17" y="connsiteY17"/>
+              </a:cxn>
+              <a:cxn ang="0">
+                <a:pos x="connsiteX18" y="connsiteY18"/>
+              </a:cxn>
+            </a:cxnLst>
+            <a:rect l="l" t="t" r="r" b="b"/>
+            <a:pathLst>
+              <a:path w="5410200" h="18288" fill="none" extrusionOk="0">
+                <a:moveTo>
+                  <a:pt x="0" y="0"/>
+                </a:moveTo>
+                <a:cubicBezTo>
+                  <a:pt x="163050" y="-18707"/>
+                  <a:pt x="319321" y="-16364"/>
+                  <a:pt x="568071" y="0"/>
+                </a:cubicBezTo>
+                <a:cubicBezTo>
+                  <a:pt x="816821" y="16364"/>
+                  <a:pt x="1013224" y="-7268"/>
+                  <a:pt x="1298448" y="0"/>
+                </a:cubicBezTo>
+                <a:cubicBezTo>
+                  <a:pt x="1583672" y="7268"/>
+                  <a:pt x="1631711" y="-3367"/>
+                  <a:pt x="1920621" y="0"/>
+                </a:cubicBezTo>
+                <a:cubicBezTo>
+                  <a:pt x="2209531" y="3367"/>
+                  <a:pt x="2364420" y="-19184"/>
+                  <a:pt x="2488692" y="0"/>
+                </a:cubicBezTo>
+                <a:cubicBezTo>
+                  <a:pt x="2612964" y="19184"/>
+                  <a:pt x="3023298" y="-34627"/>
+                  <a:pt x="3219069" y="0"/>
+                </a:cubicBezTo>
+                <a:cubicBezTo>
+                  <a:pt x="3414840" y="34627"/>
+                  <a:pt x="3656810" y="24043"/>
+                  <a:pt x="3895344" y="0"/>
+                </a:cubicBezTo>
+                <a:cubicBezTo>
+                  <a:pt x="4133879" y="-24043"/>
+                  <a:pt x="4393984" y="-19577"/>
+                  <a:pt x="4571619" y="0"/>
+                </a:cubicBezTo>
+                <a:cubicBezTo>
+                  <a:pt x="4749255" y="19577"/>
+                  <a:pt x="5179928" y="-6281"/>
+                  <a:pt x="5410200" y="0"/>
+                </a:cubicBezTo>
+                <a:cubicBezTo>
+                  <a:pt x="5410730" y="6954"/>
+                  <a:pt x="5410934" y="12839"/>
+                  <a:pt x="5410200" y="18288"/>
+                </a:cubicBezTo>
+                <a:cubicBezTo>
+                  <a:pt x="5139060" y="6751"/>
+                  <a:pt x="5121593" y="31035"/>
+                  <a:pt x="4842129" y="18288"/>
+                </a:cubicBezTo>
+                <a:cubicBezTo>
+                  <a:pt x="4562665" y="5541"/>
+                  <a:pt x="4448273" y="9487"/>
+                  <a:pt x="4328160" y="18288"/>
+                </a:cubicBezTo>
+                <a:cubicBezTo>
+                  <a:pt x="4208047" y="27089"/>
+                  <a:pt x="3760936" y="22567"/>
+                  <a:pt x="3597783" y="18288"/>
+                </a:cubicBezTo>
+                <a:cubicBezTo>
+                  <a:pt x="3434630" y="14009"/>
+                  <a:pt x="3299718" y="33213"/>
+                  <a:pt x="3029712" y="18288"/>
+                </a:cubicBezTo>
+                <a:cubicBezTo>
+                  <a:pt x="2759706" y="3363"/>
+                  <a:pt x="2640159" y="27394"/>
+                  <a:pt x="2299335" y="18288"/>
+                </a:cubicBezTo>
+                <a:cubicBezTo>
+                  <a:pt x="1958511" y="9182"/>
+                  <a:pt x="1801186" y="28985"/>
+                  <a:pt x="1514856" y="18288"/>
+                </a:cubicBezTo>
+                <a:cubicBezTo>
+                  <a:pt x="1228526" y="7591"/>
+                  <a:pt x="1063509" y="-5305"/>
+                  <a:pt x="892683" y="18288"/>
+                </a:cubicBezTo>
+                <a:cubicBezTo>
+                  <a:pt x="721857" y="41881"/>
+                  <a:pt x="186945" y="-20897"/>
+                  <a:pt x="0" y="18288"/>
+                </a:cubicBezTo>
+                <a:cubicBezTo>
+                  <a:pt x="-570" y="9279"/>
+                  <a:pt x="132" y="5100"/>
+                  <a:pt x="0" y="0"/>
+                </a:cubicBezTo>
+                <a:close/>
+              </a:path>
+              <a:path w="5410200" h="18288" stroke="0" extrusionOk="0">
+                <a:moveTo>
+                  <a:pt x="0" y="0"/>
+                </a:moveTo>
+                <a:cubicBezTo>
+                  <a:pt x="285096" y="-4925"/>
+                  <a:pt x="376456" y="22268"/>
+                  <a:pt x="622173" y="0"/>
+                </a:cubicBezTo>
+                <a:cubicBezTo>
+                  <a:pt x="867890" y="-22268"/>
+                  <a:pt x="1031392" y="7228"/>
+                  <a:pt x="1136142" y="0"/>
+                </a:cubicBezTo>
+                <a:cubicBezTo>
+                  <a:pt x="1240892" y="-7228"/>
+                  <a:pt x="1561853" y="9877"/>
+                  <a:pt x="1920621" y="0"/>
+                </a:cubicBezTo>
+                <a:cubicBezTo>
+                  <a:pt x="2279389" y="-9877"/>
+                  <a:pt x="2367255" y="19546"/>
+                  <a:pt x="2542794" y="0"/>
+                </a:cubicBezTo>
+                <a:cubicBezTo>
+                  <a:pt x="2718333" y="-19546"/>
+                  <a:pt x="2866732" y="-22226"/>
+                  <a:pt x="3164967" y="0"/>
+                </a:cubicBezTo>
+                <a:cubicBezTo>
+                  <a:pt x="3463202" y="22226"/>
+                  <a:pt x="3568055" y="-2765"/>
+                  <a:pt x="3949446" y="0"/>
+                </a:cubicBezTo>
+                <a:cubicBezTo>
+                  <a:pt x="4330837" y="2765"/>
+                  <a:pt x="4287895" y="10557"/>
+                  <a:pt x="4517517" y="0"/>
+                </a:cubicBezTo>
+                <a:cubicBezTo>
+                  <a:pt x="4747139" y="-10557"/>
+                  <a:pt x="5149588" y="8716"/>
+                  <a:pt x="5410200" y="0"/>
+                </a:cubicBezTo>
+                <a:cubicBezTo>
+                  <a:pt x="5409517" y="5414"/>
+                  <a:pt x="5409480" y="12510"/>
+                  <a:pt x="5410200" y="18288"/>
+                </a:cubicBezTo>
+                <a:cubicBezTo>
+                  <a:pt x="5163327" y="41494"/>
+                  <a:pt x="5008749" y="10693"/>
+                  <a:pt x="4842129" y="18288"/>
+                </a:cubicBezTo>
+                <a:cubicBezTo>
+                  <a:pt x="4675509" y="25883"/>
+                  <a:pt x="4433401" y="-615"/>
+                  <a:pt x="4165854" y="18288"/>
+                </a:cubicBezTo>
+                <a:cubicBezTo>
+                  <a:pt x="3898308" y="37191"/>
+                  <a:pt x="3809032" y="-8710"/>
+                  <a:pt x="3543681" y="18288"/>
+                </a:cubicBezTo>
+                <a:cubicBezTo>
+                  <a:pt x="3278330" y="45286"/>
+                  <a:pt x="3073876" y="-15917"/>
+                  <a:pt x="2759202" y="18288"/>
+                </a:cubicBezTo>
+                <a:cubicBezTo>
+                  <a:pt x="2444528" y="52493"/>
+                  <a:pt x="2204144" y="3372"/>
+                  <a:pt x="1974723" y="18288"/>
+                </a:cubicBezTo>
+                <a:cubicBezTo>
+                  <a:pt x="1745302" y="33204"/>
+                  <a:pt x="1602335" y="31490"/>
+                  <a:pt x="1406652" y="18288"/>
+                </a:cubicBezTo>
+                <a:cubicBezTo>
+                  <a:pt x="1210969" y="5086"/>
+                  <a:pt x="923948" y="3161"/>
+                  <a:pt x="730377" y="18288"/>
+                </a:cubicBezTo>
+                <a:cubicBezTo>
+                  <a:pt x="536806" y="33415"/>
+                  <a:pt x="336496" y="-141"/>
+                  <a:pt x="0" y="18288"/>
+                </a:cubicBezTo>
+                <a:cubicBezTo>
+                  <a:pt x="-306" y="11061"/>
+                  <a:pt x="-655" y="7751"/>
+                  <a:pt x="0" y="0"/>
+                </a:cubicBezTo>
+                <a:close/>
+              </a:path>
+            </a:pathLst>
+          </a:custGeom>
+          <a:solidFill>
+            <a:schemeClr val="accent2"/>
+          </a:solidFill>
+          <a:ln w="41275" cap="rnd">
+            <a:solidFill>
+              <a:schemeClr val="accent2"/>
+            </a:solidFill>
+            <a:round/>
+            <a:extLst>
+              <a:ext uri="{C807C97D-BFC1-408E-A445-0C87EB9F89A2}">
+                <ask:lineSketchStyleProps xmlns:ask="http://schemas.microsoft.com/office/drawing/2018/sketchyshapes" sd="1219033472">
+                  <a:prstGeom prst="rect">
+                    <a:avLst/>
+                  </a:prstGeom>
+                  <ask:type>
+                    <ask:lineSketchFreehand/>
+                  </ask:type>
+                </ask:lineSketchStyleProps>
+              </a:ext>
+            </a:extLst>
+          </a:ln>
+        </p:spPr>
+        <p:style>
+          <a:lnRef idx="2">
+            <a:schemeClr val="accent1">
+              <a:shade val="50000"/>
+            </a:schemeClr>
+          </a:lnRef>
+          <a:fillRef idx="1">
+            <a:schemeClr val="accent1"/>
+          </a:fillRef>
+          <a:effectRef idx="0">
+            <a:schemeClr val="accent1"/>
+          </a:effectRef>
+          <a:fontRef idx="minor">
+            <a:schemeClr val="lt1"/>
+          </a:fontRef>
+        </p:style>
+        <p:txBody>
+          <a:bodyPr rtlCol="0" anchor="ctr"/>
+          <a:lstStyle/>
+          <a:p>
+            <a:pPr marL="0" marR="0" lvl="0" indent="0" algn="ctr" defTabSz="914400" rtl="0" eaLnBrk="1" fontAlgn="auto" latinLnBrk="0" hangingPunct="1">
+              <a:lnSpc>
+                <a:spcPct val="100000"/>
+              </a:lnSpc>
+              <a:spcBef>
+                <a:spcPts val="0"/>
+              </a:spcBef>
+              <a:spcAft>
+                <a:spcPts val="0"/>
+              </a:spcAft>
+              <a:buClrTx/>
+              <a:buSzTx/>
+              <a:buFontTx/>
+              <a:buNone/>
+              <a:tabLst/>
+              <a:defRPr/>
+            </a:pPr>
+            <a:endParaRPr kumimoji="0" lang="en-US" sz="1800" b="0" i="0" u="none" strike="noStrike" kern="1200" cap="none" spc="0" normalizeH="0" baseline="0" noProof="0">
+              <a:ln>
+                <a:noFill/>
+              </a:ln>
+              <a:solidFill>
+                <a:prstClr val="white"/>
+              </a:solidFill>
+              <a:effectLst/>
+              <a:uLnTx/>
+              <a:uFillTx/>
+              <a:latin typeface="Aptos" panose="02110004020202020204"/>
+              <a:ea typeface="+mn-ea"/>
+              <a:cs typeface="+mn-cs"/>
+            </a:endParaRPr>
           </a:p>
         </p:txBody>
       </p:sp>
     </p:spTree>
     <p:extLst>
       <p:ext uri="{BB962C8B-B14F-4D97-AF65-F5344CB8AC3E}">
-        <p14:creationId xmlns:p14="http://schemas.microsoft.com/office/powerpoint/2010/main" val="216869475"/>
+        <p14:creationId xmlns:p14="http://schemas.microsoft.com/office/powerpoint/2010/main" val="4136629546"/>
       </p:ext>
     </p:extLst>
   </p:cSld>
   <p:clrMapOvr>
     <a:masterClrMapping/>
   </p:clrMapOvr>
+  <p:timing>
+    <p:tnLst>
+      <p:par>
+        <p:cTn id="1" dur="indefinite" restart="never" nodeType="tmRoot">
+          <p:childTnLst>
+            <p:seq concurrent="1" nextAc="seek">
+              <p:cTn id="2" dur="indefinite" nodeType="mainSeq">
+                <p:childTnLst>
+                  <p:par>
+                    <p:cTn id="3" fill="hold">
+                      <p:stCondLst>
+                        <p:cond delay="indefinite"/>
+                        <p:cond evt="onBegin" delay="0">
+                          <p:tn val="2"/>
+                        </p:cond>
+                      </p:stCondLst>
+                      <p:childTnLst>
+                        <p:par>
+                          <p:cTn id="4" fill="hold">
+                            <p:stCondLst>
+                              <p:cond delay="0"/>
+                            </p:stCondLst>
+                            <p:childTnLst>
+                              <p:par>
+                                <p:cTn id="5" presetID="10" presetClass="entr" presetSubtype="0" fill="hold" grpId="0" nodeType="withEffect">
+                                  <p:stCondLst>
+                                    <p:cond delay="500"/>
+                                  </p:stCondLst>
+                                  <p:iterate type="wd">
+                                    <p:tmPct val="15000"/>
+                                  </p:iterate>
+                                  <p:childTnLst>
+                                    <p:set>
+                                      <p:cBhvr>
+                                        <p:cTn id="6" dur="1" fill="hold">
+                                          <p:stCondLst>
+                                            <p:cond delay="0"/>
+                                          </p:stCondLst>
+                                        </p:cTn>
+                                        <p:tgtEl>
+                                          <p:spTgt spid="2"/>
+                                        </p:tgtEl>
+                                        <p:attrNameLst>
+                                          <p:attrName>style.visibility</p:attrName>
+                                        </p:attrNameLst>
+                                      </p:cBhvr>
+                                      <p:to>
+                                        <p:strVal val="visible"/>
+                                      </p:to>
+                                    </p:set>
+                                    <p:animEffect transition="in" filter="fade">
+                                      <p:cBhvr>
+                                        <p:cTn id="7" dur="1000"/>
+                                        <p:tgtEl>
+                                          <p:spTgt spid="2"/>
+                                        </p:tgtEl>
+                                      </p:cBhvr>
+                                    </p:animEffect>
+                                  </p:childTnLst>
+                                </p:cTn>
+                              </p:par>
+                              <p:par>
+                                <p:cTn id="8" presetID="10" presetClass="entr" presetSubtype="0" fill="hold" grpId="0" nodeType="withEffect" nodePh="1">
+                                  <p:stCondLst>
+                                    <p:cond delay="1000"/>
+                                  </p:stCondLst>
+                                  <p:endCondLst>
+                                    <p:cond evt="begin" delay="0">
+                                      <p:tn val="8"/>
+                                    </p:cond>
+                                  </p:endCondLst>
+                                  <p:iterate type="wd">
+                                    <p:tmPct val="15000"/>
+                                  </p:iterate>
+                                  <p:childTnLst>
+                                    <p:set>
+                                      <p:cBhvr>
+                                        <p:cTn id="9" dur="1" fill="hold">
+                                          <p:stCondLst>
+                                            <p:cond delay="0"/>
+                                          </p:stCondLst>
+                                        </p:cTn>
+                                        <p:tgtEl>
+                                          <p:spTgt spid="3">
+                                            <p:txEl>
+                                              <p:pRg st="0" end="0"/>
+                                            </p:txEl>
+                                          </p:spTgt>
+                                        </p:tgtEl>
+                                        <p:attrNameLst>
+                                          <p:attrName>style.visibility</p:attrName>
+                                        </p:attrNameLst>
+                                      </p:cBhvr>
+                                      <p:to>
+                                        <p:strVal val="visible"/>
+                                      </p:to>
+                                    </p:set>
+                                    <p:animEffect transition="in" filter="fade">
+                                      <p:cBhvr>
+                                        <p:cTn id="10" dur="1000"/>
+                                        <p:tgtEl>
+                                          <p:spTgt spid="3">
+                                            <p:txEl>
+                                              <p:pRg st="0" end="0"/>
+                                            </p:txEl>
+                                          </p:spTgt>
+                                        </p:tgtEl>
+                                      </p:cBhvr>
+                                    </p:animEffect>
+                                  </p:childTnLst>
+                                </p:cTn>
+                              </p:par>
+                            </p:childTnLst>
+                          </p:cTn>
+                        </p:par>
+                      </p:childTnLst>
+                    </p:cTn>
+                  </p:par>
+                </p:childTnLst>
+              </p:cTn>
+              <p:prevCondLst>
+                <p:cond evt="onPrev" delay="0">
+                  <p:tgtEl>
+                    <p:sldTgt/>
+                  </p:tgtEl>
+                </p:cond>
+              </p:prevCondLst>
+              <p:nextCondLst>
+                <p:cond evt="onNext" delay="0">
+                  <p:tgtEl>
+                    <p:sldTgt/>
+                  </p:tgtEl>
+                </p:cond>
+              </p:nextCondLst>
+            </p:seq>
+          </p:childTnLst>
+        </p:cTn>
+      </p:par>
+    </p:tnLst>
+    <p:bldLst>
+      <p:bldP spid="2" grpId="0"/>
+      <p:bldP spid="3" grpId="0" build="p"/>
+    </p:bldLst>
+  </p:timing>
 </p:sld>
 </file>
 
@@ -6997,7 +8169,15 @@
           <a:lstStyle/>
           <a:p>
             <a:r>
-              <a:rPr lang="en-US" kern="1200">
+              <a:rPr lang="en-US" dirty="0" err="1">
+                <a:solidFill>
+                  <a:schemeClr val="tx1"/>
+                </a:solidFill>
+              </a:rPr>
+              <a:t>Wochen</a:t>
+            </a:r>
+            <a:r>
+              <a:rPr lang="en-US" kern="1200" dirty="0" err="1">
                 <a:solidFill>
                   <a:schemeClr val="tx1"/>
                 </a:solidFill>
@@ -7005,8 +8185,42 @@
                 <a:ea typeface="+mn-ea"/>
                 <a:cs typeface="+mn-cs"/>
               </a:rPr>
-              <a:t>Tageszusammenfassung</a:t>
-            </a:r>
+              <a:t>zusammenfassung</a:t>
+            </a:r>
+            <a:endParaRPr lang="en-US" kern="1200" dirty="0">
+              <a:solidFill>
+                <a:schemeClr val="tx1"/>
+              </a:solidFill>
+              <a:latin typeface="+mn-lt"/>
+              <a:ea typeface="+mn-ea"/>
+              <a:cs typeface="+mn-cs"/>
+            </a:endParaRPr>
+          </a:p>
+          <a:p>
+            <a:r>
+              <a:rPr lang="en-US" dirty="0" err="1">
+                <a:solidFill>
+                  <a:schemeClr val="tx1"/>
+                </a:solidFill>
+              </a:rPr>
+              <a:t>Fragen</a:t>
+            </a:r>
+            <a:r>
+              <a:rPr lang="en-US" dirty="0">
+                <a:solidFill>
+                  <a:schemeClr val="tx1"/>
+                </a:solidFill>
+              </a:rPr>
+              <a:t>? Feedback?</a:t>
+            </a:r>
+            <a:endParaRPr lang="en-US" kern="1200" dirty="0">
+              <a:solidFill>
+                <a:schemeClr val="tx1"/>
+              </a:solidFill>
+              <a:latin typeface="+mn-lt"/>
+              <a:ea typeface="+mn-ea"/>
+              <a:cs typeface="+mn-cs"/>
+            </a:endParaRPr>
           </a:p>
         </p:txBody>
       </p:sp>
@@ -8532,7 +9746,7 @@
           <p:nvPr/>
         </p:nvPicPr>
         <p:blipFill>
-          <a:blip r:embed="rId2"/>
+          <a:blip r:embed="rId3"/>
           <a:stretch>
             <a:fillRect/>
           </a:stretch>
@@ -8562,7 +9776,7 @@
           <p:nvPr/>
         </p:nvPicPr>
         <p:blipFill>
-          <a:blip r:embed="rId3">
+          <a:blip r:embed="rId4">
             <a:extLst>
               <a:ext uri="{28A0092B-C50C-407E-A947-70E740481C1C}">
                 <a14:useLocalDpi xmlns:a14="http://schemas.microsoft.com/office/drawing/2010/main" val="0"/>
@@ -8598,7 +9812,7 @@
           <p:nvPr/>
         </p:nvPicPr>
         <p:blipFill>
-          <a:blip r:embed="rId4">
+          <a:blip r:embed="rId5">
             <a:extLst>
               <a:ext uri="{28A0092B-C50C-407E-A947-70E740481C1C}">
                 <a14:useLocalDpi xmlns:a14="http://schemas.microsoft.com/office/drawing/2010/main" val="0"/>
